--- a/Apresentação.pptx
+++ b/Apresentação.pptx
@@ -9,9 +9,8 @@
     <p:sldId id="257" r:id="rId3"/>
     <p:sldId id="258" r:id="rId4"/>
     <p:sldId id="259" r:id="rId5"/>
-    <p:sldId id="260" r:id="rId6"/>
-    <p:sldId id="261" r:id="rId7"/>
-    <p:sldId id="262" r:id="rId8"/>
+    <p:sldId id="261" r:id="rId6"/>
+    <p:sldId id="262" r:id="rId7"/>
   </p:sldIdLst>
   <p:sldSz cx="12192000" cy="6858000"/>
   <p:notesSz cx="6858000" cy="9144000"/>
@@ -110,6 +109,11 @@
       </a:defRPr>
     </a:lvl9pPr>
   </p:defaultTextStyle>
+  <p:extLst>
+    <p:ext uri="{EFAFB233-063F-42B5-8137-9DF3F51BA10A}">
+      <p15:sldGuideLst xmlns:p15="http://schemas.microsoft.com/office/powerpoint/2012/main"/>
+    </p:ext>
+  </p:extLst>
 </p:presentation>
 </file>
 
@@ -4022,7 +4026,12 @@
           <a:bodyPr/>
           <a:lstStyle/>
           <a:p>
-            <a:endParaRPr lang="pt-BR"/>
+            <a:pPr algn="just"/>
+            <a:r>
+              <a:rPr lang="pt-BR" dirty="0"/>
+              <a:t>Compreender a aprendizagem individual, a partir das experiências, de engenheiros de software na movimentação desses em diferentes projetos</a:t>
+            </a:r>
+            <a:endParaRPr lang="pt-BR" dirty="0"/>
           </a:p>
         </p:txBody>
       </p:sp>
@@ -4164,85 +4173,6 @@
           <a:p>
             <a:r>
               <a:rPr lang="pt-BR" dirty="0" smtClean="0"/>
-              <a:t>Resultados da Análise</a:t>
-            </a:r>
-            <a:endParaRPr lang="pt-BR" dirty="0"/>
-          </a:p>
-        </p:txBody>
-      </p:sp>
-      <p:sp>
-        <p:nvSpPr>
-          <p:cNvPr id="3" name="Espaço Reservado para Conteúdo 2"/>
-          <p:cNvSpPr>
-            <a:spLocks noGrp="1"/>
-          </p:cNvSpPr>
-          <p:nvPr>
-            <p:ph idx="1"/>
-          </p:nvPr>
-        </p:nvSpPr>
-        <p:spPr/>
-        <p:txBody>
-          <a:bodyPr/>
-          <a:lstStyle/>
-          <a:p>
-            <a:endParaRPr lang="pt-BR"/>
-          </a:p>
-        </p:txBody>
-      </p:sp>
-    </p:spTree>
-    <p:extLst>
-      <p:ext uri="{BB962C8B-B14F-4D97-AF65-F5344CB8AC3E}">
-        <p14:creationId xmlns:p14="http://schemas.microsoft.com/office/powerpoint/2010/main" val="4183496945"/>
-      </p:ext>
-    </p:extLst>
-  </p:cSld>
-  <p:clrMapOvr>
-    <a:masterClrMapping/>
-  </p:clrMapOvr>
-  <p:timing>
-    <p:tnLst>
-      <p:par>
-        <p:cTn id="1" dur="indefinite" restart="never" nodeType="tmRoot"/>
-      </p:par>
-    </p:tnLst>
-  </p:timing>
-</p:sld>
-</file>
-
-<file path=ppt/slides/slide6.xml><?xml version="1.0" encoding="utf-8"?>
-<p:sld xmlns:a="http://schemas.openxmlformats.org/drawingml/2006/main" xmlns:r="http://schemas.openxmlformats.org/officeDocument/2006/relationships" xmlns:p="http://schemas.openxmlformats.org/presentationml/2006/main">
-  <p:cSld>
-    <p:spTree>
-      <p:nvGrpSpPr>
-        <p:cNvPr id="1" name=""/>
-        <p:cNvGrpSpPr/>
-        <p:nvPr/>
-      </p:nvGrpSpPr>
-      <p:grpSpPr>
-        <a:xfrm>
-          <a:off x="0" y="0"/>
-          <a:ext cx="0" cy="0"/>
-          <a:chOff x="0" y="0"/>
-          <a:chExt cx="0" cy="0"/>
-        </a:xfrm>
-      </p:grpSpPr>
-      <p:sp>
-        <p:nvSpPr>
-          <p:cNvPr id="2" name="Título 1"/>
-          <p:cNvSpPr>
-            <a:spLocks noGrp="1"/>
-          </p:cNvSpPr>
-          <p:nvPr>
-            <p:ph type="title"/>
-          </p:nvPr>
-        </p:nvSpPr>
-        <p:spPr/>
-        <p:txBody>
-          <a:bodyPr/>
-          <a:lstStyle/>
-          <a:p>
-            <a:r>
-              <a:rPr lang="pt-BR" dirty="0" smtClean="0"/>
               <a:t>Relato de Experiência</a:t>
             </a:r>
             <a:endParaRPr lang="pt-BR" dirty="0"/>
@@ -4288,7 +4218,7 @@
 </p:sld>
 </file>
 
-<file path=ppt/slides/slide7.xml><?xml version="1.0" encoding="utf-8"?>
+<file path=ppt/slides/slide6.xml><?xml version="1.0" encoding="utf-8"?>
 <p:sld xmlns:a="http://schemas.openxmlformats.org/drawingml/2006/main" xmlns:r="http://schemas.openxmlformats.org/officeDocument/2006/relationships" xmlns:p="http://schemas.openxmlformats.org/presentationml/2006/main">
   <p:cSld>
     <p:spTree>

--- a/Apresentação.pptx
+++ b/Apresentação.pptx
@@ -306,7 +306,7 @@
           <a:p>
             <a:fld id="{3CED686C-0769-4BE5-B65D-B74951CC839B}" type="datetimeFigureOut">
               <a:rPr lang="pt-BR" smtClean="0"/>
-              <a:t>20/07/2015</a:t>
+              <a:t>21/07/2015</a:t>
             </a:fld>
             <a:endParaRPr lang="pt-BR"/>
           </a:p>
@@ -488,7 +488,7 @@
           <a:p>
             <a:fld id="{3CED686C-0769-4BE5-B65D-B74951CC839B}" type="datetimeFigureOut">
               <a:rPr lang="pt-BR" smtClean="0"/>
-              <a:t>20/07/2015</a:t>
+              <a:t>21/07/2015</a:t>
             </a:fld>
             <a:endParaRPr lang="pt-BR"/>
           </a:p>
@@ -680,7 +680,7 @@
           <a:p>
             <a:fld id="{3CED686C-0769-4BE5-B65D-B74951CC839B}" type="datetimeFigureOut">
               <a:rPr lang="pt-BR" smtClean="0"/>
-              <a:t>20/07/2015</a:t>
+              <a:t>21/07/2015</a:t>
             </a:fld>
             <a:endParaRPr lang="pt-BR"/>
           </a:p>
@@ -871,7 +871,7 @@
           <a:p>
             <a:fld id="{3CED686C-0769-4BE5-B65D-B74951CC839B}" type="datetimeFigureOut">
               <a:rPr lang="pt-BR" smtClean="0"/>
-              <a:t>20/07/2015</a:t>
+              <a:t>21/07/2015</a:t>
             </a:fld>
             <a:endParaRPr lang="pt-BR"/>
           </a:p>
@@ -1129,7 +1129,7 @@
           <a:p>
             <a:fld id="{3CED686C-0769-4BE5-B65D-B74951CC839B}" type="datetimeFigureOut">
               <a:rPr lang="pt-BR" smtClean="0"/>
-              <a:t>20/07/2015</a:t>
+              <a:t>21/07/2015</a:t>
             </a:fld>
             <a:endParaRPr lang="pt-BR"/>
           </a:p>
@@ -1429,7 +1429,7 @@
           <a:p>
             <a:fld id="{3CED686C-0769-4BE5-B65D-B74951CC839B}" type="datetimeFigureOut">
               <a:rPr lang="pt-BR" smtClean="0"/>
-              <a:t>20/07/2015</a:t>
+              <a:t>21/07/2015</a:t>
             </a:fld>
             <a:endParaRPr lang="pt-BR"/>
           </a:p>
@@ -1863,7 +1863,7 @@
           <a:p>
             <a:fld id="{3CED686C-0769-4BE5-B65D-B74951CC839B}" type="datetimeFigureOut">
               <a:rPr lang="pt-BR" smtClean="0"/>
-              <a:t>20/07/2015</a:t>
+              <a:t>21/07/2015</a:t>
             </a:fld>
             <a:endParaRPr lang="pt-BR"/>
           </a:p>
@@ -1993,7 +1993,7 @@
           <a:p>
             <a:fld id="{3CED686C-0769-4BE5-B65D-B74951CC839B}" type="datetimeFigureOut">
               <a:rPr lang="pt-BR" smtClean="0"/>
-              <a:t>20/07/2015</a:t>
+              <a:t>21/07/2015</a:t>
             </a:fld>
             <a:endParaRPr lang="pt-BR"/>
           </a:p>
@@ -2100,7 +2100,7 @@
           <a:p>
             <a:fld id="{3CED686C-0769-4BE5-B65D-B74951CC839B}" type="datetimeFigureOut">
               <a:rPr lang="pt-BR" smtClean="0"/>
-              <a:t>20/07/2015</a:t>
+              <a:t>21/07/2015</a:t>
             </a:fld>
             <a:endParaRPr lang="pt-BR"/>
           </a:p>
@@ -2389,7 +2389,7 @@
           <a:p>
             <a:fld id="{3CED686C-0769-4BE5-B65D-B74951CC839B}" type="datetimeFigureOut">
               <a:rPr lang="pt-BR" smtClean="0"/>
-              <a:t>20/07/2015</a:t>
+              <a:t>21/07/2015</a:t>
             </a:fld>
             <a:endParaRPr lang="pt-BR"/>
           </a:p>
@@ -2661,7 +2661,7 @@
           <a:p>
             <a:fld id="{3CED686C-0769-4BE5-B65D-B74951CC839B}" type="datetimeFigureOut">
               <a:rPr lang="pt-BR" smtClean="0"/>
-              <a:t>20/07/2015</a:t>
+              <a:t>21/07/2015</a:t>
             </a:fld>
             <a:endParaRPr lang="pt-BR"/>
           </a:p>
@@ -2946,7 +2946,7 @@
           <a:p>
             <a:fld id="{3CED686C-0769-4BE5-B65D-B74951CC839B}" type="datetimeFigureOut">
               <a:rPr lang="pt-BR" smtClean="0"/>
-              <a:t>20/07/2015</a:t>
+              <a:t>21/07/2015</a:t>
             </a:fld>
             <a:endParaRPr lang="pt-BR"/>
           </a:p>
@@ -4031,7 +4031,6 @@
               <a:rPr lang="pt-BR" dirty="0"/>
               <a:t>Compreender a aprendizagem individual, a partir das experiências, de engenheiros de software na movimentação desses em diferentes projetos</a:t>
             </a:r>
-            <a:endParaRPr lang="pt-BR" dirty="0"/>
           </a:p>
         </p:txBody>
       </p:sp>
@@ -4179,25 +4178,308 @@
           </a:p>
         </p:txBody>
       </p:sp>
-      <p:sp>
-        <p:nvSpPr>
-          <p:cNvPr id="3" name="Espaço Reservado para Conteúdo 2"/>
-          <p:cNvSpPr>
-            <a:spLocks noGrp="1"/>
-          </p:cNvSpPr>
+      <p:graphicFrame>
+        <p:nvGraphicFramePr>
+          <p:cNvPr id="4" name="Espaço Reservado para Conteúdo 3"/>
+          <p:cNvGraphicFramePr>
+            <a:graphicFrameLocks noGrp="1"/>
+          </p:cNvGraphicFramePr>
           <p:nvPr>
             <p:ph idx="1"/>
-          </p:nvPr>
-        </p:nvSpPr>
-        <p:spPr/>
-        <p:txBody>
-          <a:bodyPr/>
-          <a:lstStyle/>
-          <a:p>
-            <a:endParaRPr lang="pt-BR"/>
-          </a:p>
-        </p:txBody>
-      </p:sp>
+            <p:extLst>
+              <p:ext uri="{D42A27DB-BD31-4B8C-83A1-F6EECF244321}">
+                <p14:modId xmlns:p14="http://schemas.microsoft.com/office/powerpoint/2010/main" val="3564369725"/>
+              </p:ext>
+            </p:extLst>
+          </p:nvPr>
+        </p:nvGraphicFramePr>
+        <p:xfrm>
+          <a:off x="694450" y="1331640"/>
+          <a:ext cx="10972800" cy="4942840"/>
+        </p:xfrm>
+        <a:graphic>
+          <a:graphicData uri="http://schemas.openxmlformats.org/drawingml/2006/table">
+            <a:tbl>
+              <a:tblPr firstRow="1" bandRow="1">
+                <a:tableStyleId>{5C22544A-7EE6-4342-B048-85BDC9FD1C3A}</a:tableStyleId>
+              </a:tblPr>
+              <a:tblGrid>
+                <a:gridCol w="3657600"/>
+                <a:gridCol w="3657600"/>
+                <a:gridCol w="3657600"/>
+              </a:tblGrid>
+              <a:tr h="370840">
+                <a:tc>
+                  <a:txBody>
+                    <a:bodyPr/>
+                    <a:lstStyle/>
+                    <a:p>
+                      <a:pPr algn="ctr"/>
+                      <a:endParaRPr lang="pt-BR" dirty="0"/>
+                    </a:p>
+                  </a:txBody>
+                  <a:tcPr/>
+                </a:tc>
+                <a:tc>
+                  <a:txBody>
+                    <a:bodyPr/>
+                    <a:lstStyle/>
+                    <a:p>
+                      <a:pPr algn="ctr"/>
+                      <a:r>
+                        <a:rPr lang="pt-BR" dirty="0" smtClean="0"/>
+                        <a:t>Facilidades</a:t>
+                      </a:r>
+                      <a:endParaRPr lang="pt-BR" dirty="0"/>
+                    </a:p>
+                  </a:txBody>
+                  <a:tcPr/>
+                </a:tc>
+                <a:tc>
+                  <a:txBody>
+                    <a:bodyPr/>
+                    <a:lstStyle/>
+                    <a:p>
+                      <a:pPr algn="ctr"/>
+                      <a:r>
+                        <a:rPr lang="pt-BR" dirty="0" smtClean="0"/>
+                        <a:t>Dificuldades</a:t>
+                      </a:r>
+                      <a:endParaRPr lang="pt-BR" dirty="0"/>
+                    </a:p>
+                  </a:txBody>
+                  <a:tcPr/>
+                </a:tc>
+              </a:tr>
+              <a:tr h="370840">
+                <a:tc>
+                  <a:txBody>
+                    <a:bodyPr/>
+                    <a:lstStyle/>
+                    <a:p>
+                      <a:endParaRPr lang="pt-BR" dirty="0" smtClean="0"/>
+                    </a:p>
+                    <a:p>
+                      <a:endParaRPr lang="pt-BR" dirty="0" smtClean="0"/>
+                    </a:p>
+                    <a:p>
+                      <a:endParaRPr lang="pt-BR" dirty="0" smtClean="0"/>
+                    </a:p>
+                    <a:p>
+                      <a:r>
+                        <a:rPr lang="pt-BR" dirty="0" smtClean="0"/>
+                        <a:t>Percepções</a:t>
+                      </a:r>
+                      <a:r>
+                        <a:rPr lang="pt-BR" baseline="0" dirty="0" smtClean="0"/>
+                        <a:t> Pessoais</a:t>
+                      </a:r>
+                      <a:endParaRPr lang="pt-BR" dirty="0"/>
+                    </a:p>
+                  </a:txBody>
+                  <a:tcPr/>
+                </a:tc>
+                <a:tc>
+                  <a:txBody>
+                    <a:bodyPr/>
+                    <a:lstStyle/>
+                    <a:p>
+                      <a:pPr algn="just"/>
+                      <a:r>
+                        <a:rPr lang="pt-BR" sz="1800" kern="1200" dirty="0" smtClean="0">
+                          <a:solidFill>
+                            <a:schemeClr val="dk1"/>
+                          </a:solidFill>
+                          <a:effectLst/>
+                          <a:latin typeface="+mn-lt"/>
+                          <a:ea typeface="+mn-ea"/>
+                          <a:cs typeface="+mn-cs"/>
+                        </a:rPr>
+                        <a:t>A</a:t>
+                      </a:r>
+                      <a:r>
+                        <a:rPr lang="pt-BR" sz="1800" kern="1200" baseline="0" dirty="0" smtClean="0">
+                          <a:solidFill>
+                            <a:schemeClr val="dk1"/>
+                          </a:solidFill>
+                          <a:effectLst/>
+                          <a:latin typeface="+mn-lt"/>
+                          <a:ea typeface="+mn-ea"/>
+                          <a:cs typeface="+mn-cs"/>
+                        </a:rPr>
+                        <a:t> </a:t>
+                      </a:r>
+                      <a:r>
+                        <a:rPr lang="pt-BR" sz="1800" kern="1200" dirty="0" smtClean="0">
+                          <a:solidFill>
+                            <a:schemeClr val="dk1"/>
+                          </a:solidFill>
+                          <a:effectLst/>
+                          <a:latin typeface="+mn-lt"/>
+                          <a:ea typeface="+mn-ea"/>
+                          <a:cs typeface="+mn-cs"/>
+                        </a:rPr>
+                        <a:t>experiência do trabalho em equipe com uma nova ferramenta foi bastante enriquecedora, tanto do ponto de vista do aprendizado de uma nova ferramenta, bem como a oportunidade de trabalhar em equipe, algo que é raro durante o processo de doutoramento</a:t>
+                      </a:r>
+                      <a:endParaRPr lang="pt-BR" dirty="0"/>
+                    </a:p>
+                  </a:txBody>
+                  <a:tcPr/>
+                </a:tc>
+                <a:tc>
+                  <a:txBody>
+                    <a:bodyPr/>
+                    <a:lstStyle/>
+                    <a:p>
+                      <a:pPr algn="just"/>
+                      <a:r>
+                        <a:rPr lang="pt-BR" sz="1800" kern="1200" dirty="0" smtClean="0">
+                          <a:solidFill>
+                            <a:schemeClr val="dk1"/>
+                          </a:solidFill>
+                          <a:effectLst/>
+                          <a:latin typeface="+mn-lt"/>
+                          <a:ea typeface="+mn-ea"/>
+                          <a:cs typeface="+mn-cs"/>
+                        </a:rPr>
+                        <a:t>A</a:t>
+                      </a:r>
+                      <a:r>
+                        <a:rPr lang="pt-BR" sz="1800" kern="1200" smtClean="0">
+                          <a:solidFill>
+                            <a:schemeClr val="dk1"/>
+                          </a:solidFill>
+                          <a:effectLst/>
+                          <a:latin typeface="+mn-lt"/>
+                          <a:ea typeface="+mn-ea"/>
+                          <a:cs typeface="+mn-cs"/>
+                        </a:rPr>
+                        <a:t> </a:t>
+                      </a:r>
+                      <a:r>
+                        <a:rPr lang="pt-BR" sz="1800" kern="1200" dirty="0" smtClean="0">
+                          <a:solidFill>
+                            <a:schemeClr val="dk1"/>
+                          </a:solidFill>
+                          <a:effectLst/>
+                          <a:latin typeface="+mn-lt"/>
+                          <a:ea typeface="+mn-ea"/>
+                          <a:cs typeface="+mn-cs"/>
+                        </a:rPr>
+                        <a:t>pouca experiência da equipe com a ferramenta, algo que consideramos normal e que acreditamos será sanado a medida que utilizarmos mais o software</a:t>
+                      </a:r>
+                      <a:endParaRPr lang="pt-BR" dirty="0"/>
+                    </a:p>
+                  </a:txBody>
+                  <a:tcPr/>
+                </a:tc>
+              </a:tr>
+              <a:tr h="370840">
+                <a:tc>
+                  <a:txBody>
+                    <a:bodyPr/>
+                    <a:lstStyle/>
+                    <a:p>
+                      <a:endParaRPr lang="pt-BR" dirty="0" smtClean="0"/>
+                    </a:p>
+                    <a:p>
+                      <a:endParaRPr lang="pt-BR" dirty="0" smtClean="0"/>
+                    </a:p>
+                    <a:p>
+                      <a:endParaRPr lang="pt-BR" dirty="0" smtClean="0"/>
+                    </a:p>
+                    <a:p>
+                      <a:r>
+                        <a:rPr lang="pt-BR" dirty="0" smtClean="0"/>
+                        <a:t>Percepções</a:t>
+                      </a:r>
+                      <a:r>
+                        <a:rPr lang="pt-BR" baseline="0" dirty="0" smtClean="0"/>
+                        <a:t> do software</a:t>
+                      </a:r>
+                      <a:endParaRPr lang="pt-BR" dirty="0"/>
+                    </a:p>
+                  </a:txBody>
+                  <a:tcPr/>
+                </a:tc>
+                <a:tc>
+                  <a:txBody>
+                    <a:bodyPr/>
+                    <a:lstStyle/>
+                    <a:p>
+                      <a:pPr marL="0" marR="0" indent="0" algn="just" defTabSz="914400" rtl="0" eaLnBrk="1" fontAlgn="auto" latinLnBrk="0" hangingPunct="1">
+                        <a:lnSpc>
+                          <a:spcPct val="100000"/>
+                        </a:lnSpc>
+                        <a:spcBef>
+                          <a:spcPts val="0"/>
+                        </a:spcBef>
+                        <a:spcAft>
+                          <a:spcPts val="0"/>
+                        </a:spcAft>
+                        <a:buClrTx/>
+                        <a:buSzTx/>
+                        <a:buFontTx/>
+                        <a:buNone/>
+                        <a:tabLst/>
+                        <a:defRPr/>
+                      </a:pPr>
+                      <a:r>
+                        <a:rPr lang="pt-BR" sz="1800" kern="1200" dirty="0" smtClean="0">
+                          <a:solidFill>
+                            <a:schemeClr val="dk1"/>
+                          </a:solidFill>
+                          <a:effectLst/>
+                          <a:latin typeface="+mn-lt"/>
+                          <a:ea typeface="+mn-ea"/>
+                          <a:cs typeface="+mn-cs"/>
+                        </a:rPr>
+                        <a:t>O software organiza os dados e facilita o acesso a eles a partir das codificações e consultas. Além disso, a ferramenta possibilita apresentar relacionamentos para a pesquisa podendo culminar, inclusive, com a construção de um modelo. </a:t>
+                      </a:r>
+                    </a:p>
+                    <a:p>
+                      <a:pPr algn="just"/>
+                      <a:endParaRPr lang="pt-BR" dirty="0"/>
+                    </a:p>
+                  </a:txBody>
+                  <a:tcPr/>
+                </a:tc>
+                <a:tc>
+                  <a:txBody>
+                    <a:bodyPr/>
+                    <a:lstStyle/>
+                    <a:p>
+                      <a:pPr algn="just"/>
+                      <a:r>
+                        <a:rPr lang="pt-BR" dirty="0" smtClean="0"/>
+                        <a:t>No entanto, o modelo apresentado no </a:t>
+                      </a:r>
+                      <a:r>
+                        <a:rPr lang="pt-BR" dirty="0" err="1" smtClean="0"/>
+                        <a:t>Nvivo</a:t>
+                      </a:r>
+                      <a:r>
+                        <a:rPr lang="pt-BR" dirty="0" smtClean="0"/>
+                        <a:t>, apesar de automatizado,  ainda é necessário um trabalho</a:t>
+                      </a:r>
+                      <a:r>
+                        <a:rPr lang="pt-BR" baseline="0" dirty="0" smtClean="0"/>
+                        <a:t> prévio (criando as relações) e um trabalho a posteriori para organizar o layout do modelo</a:t>
+                      </a:r>
+                      <a:r>
+                        <a:rPr lang="pt-BR" dirty="0" smtClean="0"/>
+                        <a:t> </a:t>
+                      </a:r>
+                      <a:endParaRPr lang="pt-BR" dirty="0"/>
+                    </a:p>
+                  </a:txBody>
+                  <a:tcPr/>
+                </a:tc>
+              </a:tr>
+            </a:tbl>
+          </a:graphicData>
+        </a:graphic>
+      </p:graphicFrame>
     </p:spTree>
     <p:extLst>
       <p:ext uri="{BB962C8B-B14F-4D97-AF65-F5344CB8AC3E}">
